--- a/docs/diagrams/LogicComponentSequenceDiagram.pptx
+++ b/docs/diagrams/LogicComponentSequenceDiagram.pptx
@@ -208,7 +208,7 @@
           <a:p>
             <a:fld id="{F5CC4B3F-88C1-4FFA-B1B6-F41C21DC6924}" type="datetimeFigureOut">
               <a:rPr lang="en-US" smtClean="0"/>
-              <a:t>12/15/2018</a:t>
+              <a:t>28-Feb-19</a:t>
             </a:fld>
             <a:endParaRPr lang="en-US"/>
           </a:p>
@@ -738,7 +738,7 @@
           <a:p>
             <a:fld id="{78C97017-6FC3-485B-9764-EAC9E56C1D49}" type="datetimeFigureOut">
               <a:rPr lang="en-US" smtClean="0"/>
-              <a:t>12/15/2018</a:t>
+              <a:t>28-Feb-19</a:t>
             </a:fld>
             <a:endParaRPr lang="en-US"/>
           </a:p>
@@ -906,7 +906,7 @@
           <a:p>
             <a:fld id="{78C97017-6FC3-485B-9764-EAC9E56C1D49}" type="datetimeFigureOut">
               <a:rPr lang="en-US" smtClean="0"/>
-              <a:t>12/15/2018</a:t>
+              <a:t>28-Feb-19</a:t>
             </a:fld>
             <a:endParaRPr lang="en-US"/>
           </a:p>
@@ -1084,7 +1084,7 @@
           <a:p>
             <a:fld id="{78C97017-6FC3-485B-9764-EAC9E56C1D49}" type="datetimeFigureOut">
               <a:rPr lang="en-US" smtClean="0"/>
-              <a:t>12/15/2018</a:t>
+              <a:t>28-Feb-19</a:t>
             </a:fld>
             <a:endParaRPr lang="en-US"/>
           </a:p>
@@ -1252,7 +1252,7 @@
           <a:p>
             <a:fld id="{78C97017-6FC3-485B-9764-EAC9E56C1D49}" type="datetimeFigureOut">
               <a:rPr lang="en-US" smtClean="0"/>
-              <a:t>12/15/2018</a:t>
+              <a:t>28-Feb-19</a:t>
             </a:fld>
             <a:endParaRPr lang="en-US"/>
           </a:p>
@@ -1497,7 +1497,7 @@
           <a:p>
             <a:fld id="{78C97017-6FC3-485B-9764-EAC9E56C1D49}" type="datetimeFigureOut">
               <a:rPr lang="en-US" smtClean="0"/>
-              <a:t>12/15/2018</a:t>
+              <a:t>28-Feb-19</a:t>
             </a:fld>
             <a:endParaRPr lang="en-US"/>
           </a:p>
@@ -1782,7 +1782,7 @@
           <a:p>
             <a:fld id="{78C97017-6FC3-485B-9764-EAC9E56C1D49}" type="datetimeFigureOut">
               <a:rPr lang="en-US" smtClean="0"/>
-              <a:t>12/15/2018</a:t>
+              <a:t>28-Feb-19</a:t>
             </a:fld>
             <a:endParaRPr lang="en-US"/>
           </a:p>
@@ -2201,7 +2201,7 @@
           <a:p>
             <a:fld id="{78C97017-6FC3-485B-9764-EAC9E56C1D49}" type="datetimeFigureOut">
               <a:rPr lang="en-US" smtClean="0"/>
-              <a:t>12/15/2018</a:t>
+              <a:t>28-Feb-19</a:t>
             </a:fld>
             <a:endParaRPr lang="en-US"/>
           </a:p>
@@ -2318,7 +2318,7 @@
           <a:p>
             <a:fld id="{78C97017-6FC3-485B-9764-EAC9E56C1D49}" type="datetimeFigureOut">
               <a:rPr lang="en-US" smtClean="0"/>
-              <a:t>12/15/2018</a:t>
+              <a:t>28-Feb-19</a:t>
             </a:fld>
             <a:endParaRPr lang="en-US"/>
           </a:p>
@@ -2413,7 +2413,7 @@
           <a:p>
             <a:fld id="{78C97017-6FC3-485B-9764-EAC9E56C1D49}" type="datetimeFigureOut">
               <a:rPr lang="en-US" smtClean="0"/>
-              <a:t>12/15/2018</a:t>
+              <a:t>28-Feb-19</a:t>
             </a:fld>
             <a:endParaRPr lang="en-US"/>
           </a:p>
@@ -2688,7 +2688,7 @@
           <a:p>
             <a:fld id="{78C97017-6FC3-485B-9764-EAC9E56C1D49}" type="datetimeFigureOut">
               <a:rPr lang="en-US" smtClean="0"/>
-              <a:t>12/15/2018</a:t>
+              <a:t>28-Feb-19</a:t>
             </a:fld>
             <a:endParaRPr lang="en-US"/>
           </a:p>
@@ -2940,7 +2940,7 @@
           <a:p>
             <a:fld id="{78C97017-6FC3-485B-9764-EAC9E56C1D49}" type="datetimeFigureOut">
               <a:rPr lang="en-US" smtClean="0"/>
-              <a:t>12/15/2018</a:t>
+              <a:t>28-Feb-19</a:t>
             </a:fld>
             <a:endParaRPr lang="en-US"/>
           </a:p>
@@ -3151,7 +3151,7 @@
           <a:p>
             <a:fld id="{78C97017-6FC3-485B-9764-EAC9E56C1D49}" type="datetimeFigureOut">
               <a:rPr lang="en-US" smtClean="0"/>
-              <a:t>12/15/2018</a:t>
+              <a:t>28-Feb-19</a:t>
             </a:fld>
             <a:endParaRPr lang="en-US"/>
           </a:p>
@@ -4237,7 +4237,7 @@
         <p:spPr>
           <a:xfrm>
             <a:off x="1345305" y="2989204"/>
-            <a:ext cx="860170" cy="215444"/>
+            <a:ext cx="860170" cy="430887"/>
           </a:xfrm>
           <a:prstGeom prst="rect">
             <a:avLst/>
@@ -4252,8 +4252,12 @@
           <a:p>
             <a:pPr algn="ctr"/>
             <a:r>
+              <a:rPr lang="en-US" sz="1400" dirty="0" err="1"/>
+              <a:t>DeleteVolunteer</a:t>
+            </a:r>
+            <a:r>
               <a:rPr lang="en-US" sz="1400" dirty="0"/>
-              <a:t>delete 1</a:t>
+              <a:t> 1</a:t>
             </a:r>
           </a:p>
         </p:txBody>
@@ -4305,7 +4309,7 @@
         <p:spPr>
           <a:xfrm>
             <a:off x="2552219" y="3082866"/>
-            <a:ext cx="1424846" cy="215444"/>
+            <a:ext cx="1424846" cy="430887"/>
           </a:xfrm>
           <a:prstGeom prst="rect">
             <a:avLst/>
@@ -4325,7 +4329,23 @@
                   <a:srgbClr val="0070C0"/>
                 </a:solidFill>
               </a:rPr>
-              <a:t>execute(“delete 1”)</a:t>
+              <a:t>execute(“</a:t>
+            </a:r>
+            <a:r>
+              <a:rPr lang="en-US" sz="1400" dirty="0" err="1">
+                <a:solidFill>
+                  <a:srgbClr val="0070C0"/>
+                </a:solidFill>
+              </a:rPr>
+              <a:t>deleteVolunteer</a:t>
+            </a:r>
+            <a:r>
+              <a:rPr lang="en-US" sz="1400" dirty="0">
+                <a:solidFill>
+                  <a:srgbClr val="0070C0"/>
+                </a:solidFill>
+              </a:rPr>
+              <a:t> 1”)</a:t>
             </a:r>
           </a:p>
         </p:txBody>
@@ -4377,7 +4397,7 @@
         <p:spPr>
           <a:xfrm>
             <a:off x="4371378" y="3150453"/>
-            <a:ext cx="1228707" cy="215444"/>
+            <a:ext cx="1228707" cy="430887"/>
           </a:xfrm>
           <a:prstGeom prst="rect">
             <a:avLst/>
@@ -4397,7 +4417,7 @@
                   <a:srgbClr val="7030A0"/>
                 </a:solidFill>
               </a:rPr>
-              <a:t>deletePerson</a:t>
+              <a:t>deleteVolunteer</a:t>
             </a:r>
             <a:r>
               <a:rPr lang="en-US" sz="1400" dirty="0">
@@ -4740,8 +4760,8 @@
         </p:nvSpPr>
         <p:spPr>
           <a:xfrm>
-            <a:off x="4484157" y="3921005"/>
-            <a:ext cx="2466828" cy="215444"/>
+            <a:off x="5872151" y="3921005"/>
+            <a:ext cx="1464915" cy="430887"/>
           </a:xfrm>
           <a:prstGeom prst="rect">
             <a:avLst/>
@@ -4763,7 +4783,7 @@
                   </a:schemeClr>
                 </a:solidFill>
               </a:rPr>
-              <a:t>saveAddressBook</a:t>
+              <a:t>saveVolunteerBook</a:t>
             </a:r>
             <a:r>
               <a:rPr lang="en-US" sz="1400" dirty="0">
@@ -4783,7 +4803,7 @@
                   </a:schemeClr>
                 </a:solidFill>
               </a:rPr>
-              <a:t>AddressBook</a:t>
+              <a:t>VolunteerBook</a:t>
             </a:r>
             <a:r>
               <a:rPr lang="en-US" sz="1400" dirty="0">
